--- a/neuen Süßigkeiten von Sondey management summary.pptx
+++ b/neuen Süßigkeiten von Sondey management summary.pptx
@@ -250,6 +250,11 @@
       </a:defRPr>
     </a:lvl9pPr>
   </p:defaultTextStyle>
+  <p:extLst>
+    <p:ext uri="{EFAFB233-063F-42B5-8137-9DF3F51BA10A}">
+      <p15:sldGuideLst xmlns:p15="http://schemas.microsoft.com/office/powerpoint/2012/main"/>
+    </p:ext>
+  </p:extLst>
 </p:presentation>
 </file>
 
@@ -8229,6 +8234,222 @@
       </p:grpSpPr>
       <p:sp>
         <p:nvSpPr>
+          <p:cNvPr id="19" name="Rectangle: Rounded Corners 18">
+            <a:extLst>
+              <a:ext uri="{FF2B5EF4-FFF2-40B4-BE49-F238E27FC236}">
+                <a16:creationId xmlns:a16="http://schemas.microsoft.com/office/drawing/2014/main" id="{F6EDB33B-936A-460E-9D79-C12B73AFF0DB}"/>
+              </a:ext>
+            </a:extLst>
+          </p:cNvPr>
+          <p:cNvSpPr/>
+          <p:nvPr/>
+        </p:nvSpPr>
+        <p:spPr>
+          <a:xfrm>
+            <a:off x="146791" y="5097214"/>
+            <a:ext cx="5838269" cy="1569660"/>
+          </a:xfrm>
+          <a:prstGeom prst="roundRect">
+            <a:avLst/>
+          </a:prstGeom>
+          <a:solidFill>
+            <a:srgbClr val="FFF200"/>
+          </a:solidFill>
+          <a:ln>
+            <a:solidFill>
+              <a:srgbClr val="FFF200"/>
+            </a:solidFill>
+          </a:ln>
+        </p:spPr>
+        <p:style>
+          <a:lnRef idx="2">
+            <a:schemeClr val="accent1">
+              <a:shade val="50000"/>
+            </a:schemeClr>
+          </a:lnRef>
+          <a:fillRef idx="1">
+            <a:schemeClr val="accent1"/>
+          </a:fillRef>
+          <a:effectRef idx="0">
+            <a:schemeClr val="accent1"/>
+          </a:effectRef>
+          <a:fontRef idx="minor">
+            <a:schemeClr val="lt1"/>
+          </a:fontRef>
+        </p:style>
+        <p:txBody>
+          <a:bodyPr rtlCol="0" anchor="ctr"/>
+          <a:lstStyle/>
+          <a:p>
+            <a:pPr algn="ctr"/>
+            <a:endParaRPr lang="en-US"/>
+          </a:p>
+        </p:txBody>
+      </p:sp>
+      <p:sp>
+        <p:nvSpPr>
+          <p:cNvPr id="18" name="Rectangle: Rounded Corners 17">
+            <a:extLst>
+              <a:ext uri="{FF2B5EF4-FFF2-40B4-BE49-F238E27FC236}">
+                <a16:creationId xmlns:a16="http://schemas.microsoft.com/office/drawing/2014/main" id="{8FA4730C-BA7D-4AAE-972D-807AAF2C9EFC}"/>
+              </a:ext>
+            </a:extLst>
+          </p:cNvPr>
+          <p:cNvSpPr/>
+          <p:nvPr/>
+        </p:nvSpPr>
+        <p:spPr>
+          <a:xfrm>
+            <a:off x="443750" y="1292178"/>
+            <a:ext cx="5244353" cy="3644299"/>
+          </a:xfrm>
+          <a:prstGeom prst="roundRect">
+            <a:avLst/>
+          </a:prstGeom>
+          <a:solidFill>
+            <a:schemeClr val="bg1"/>
+          </a:solidFill>
+          <a:ln>
+            <a:solidFill>
+              <a:schemeClr val="bg1"/>
+            </a:solidFill>
+          </a:ln>
+        </p:spPr>
+        <p:style>
+          <a:lnRef idx="2">
+            <a:schemeClr val="accent1">
+              <a:shade val="50000"/>
+            </a:schemeClr>
+          </a:lnRef>
+          <a:fillRef idx="1">
+            <a:schemeClr val="accent1"/>
+          </a:fillRef>
+          <a:effectRef idx="0">
+            <a:schemeClr val="accent1"/>
+          </a:effectRef>
+          <a:fontRef idx="minor">
+            <a:schemeClr val="lt1"/>
+          </a:fontRef>
+        </p:style>
+        <p:txBody>
+          <a:bodyPr rtlCol="0" anchor="ctr"/>
+          <a:lstStyle/>
+          <a:p>
+            <a:pPr algn="ctr"/>
+            <a:endParaRPr lang="en-US"/>
+          </a:p>
+        </p:txBody>
+      </p:sp>
+      <p:sp>
+        <p:nvSpPr>
+          <p:cNvPr id="16" name="Rectangle: Rounded Corners 15">
+            <a:extLst>
+              <a:ext uri="{FF2B5EF4-FFF2-40B4-BE49-F238E27FC236}">
+                <a16:creationId xmlns:a16="http://schemas.microsoft.com/office/drawing/2014/main" id="{807DB099-7C79-4DC2-B839-394D51094E1A}"/>
+              </a:ext>
+            </a:extLst>
+          </p:cNvPr>
+          <p:cNvSpPr/>
+          <p:nvPr/>
+        </p:nvSpPr>
+        <p:spPr>
+          <a:xfrm>
+            <a:off x="6282011" y="5097214"/>
+            <a:ext cx="5838269" cy="1569660"/>
+          </a:xfrm>
+          <a:prstGeom prst="roundRect">
+            <a:avLst/>
+          </a:prstGeom>
+          <a:solidFill>
+            <a:srgbClr val="FFF200"/>
+          </a:solidFill>
+          <a:ln>
+            <a:solidFill>
+              <a:srgbClr val="FFF200"/>
+            </a:solidFill>
+          </a:ln>
+        </p:spPr>
+        <p:style>
+          <a:lnRef idx="2">
+            <a:schemeClr val="accent1">
+              <a:shade val="50000"/>
+            </a:schemeClr>
+          </a:lnRef>
+          <a:fillRef idx="1">
+            <a:schemeClr val="accent1"/>
+          </a:fillRef>
+          <a:effectRef idx="0">
+            <a:schemeClr val="accent1"/>
+          </a:effectRef>
+          <a:fontRef idx="minor">
+            <a:schemeClr val="lt1"/>
+          </a:fontRef>
+        </p:style>
+        <p:txBody>
+          <a:bodyPr rtlCol="0" anchor="ctr"/>
+          <a:lstStyle/>
+          <a:p>
+            <a:pPr algn="ctr"/>
+            <a:endParaRPr lang="en-US"/>
+          </a:p>
+        </p:txBody>
+      </p:sp>
+      <p:sp>
+        <p:nvSpPr>
+          <p:cNvPr id="15" name="Rectangle: Rounded Corners 14">
+            <a:extLst>
+              <a:ext uri="{FF2B5EF4-FFF2-40B4-BE49-F238E27FC236}">
+                <a16:creationId xmlns:a16="http://schemas.microsoft.com/office/drawing/2014/main" id="{0BE946F3-CB03-4B6C-AD22-BA4D6AA2FAE3}"/>
+              </a:ext>
+            </a:extLst>
+          </p:cNvPr>
+          <p:cNvSpPr/>
+          <p:nvPr/>
+        </p:nvSpPr>
+        <p:spPr>
+          <a:xfrm>
+            <a:off x="6503899" y="1281770"/>
+            <a:ext cx="5244353" cy="3644299"/>
+          </a:xfrm>
+          <a:prstGeom prst="roundRect">
+            <a:avLst/>
+          </a:prstGeom>
+          <a:solidFill>
+            <a:schemeClr val="bg1"/>
+          </a:solidFill>
+          <a:ln>
+            <a:solidFill>
+              <a:schemeClr val="bg1"/>
+            </a:solidFill>
+          </a:ln>
+        </p:spPr>
+        <p:style>
+          <a:lnRef idx="2">
+            <a:schemeClr val="accent1">
+              <a:shade val="50000"/>
+            </a:schemeClr>
+          </a:lnRef>
+          <a:fillRef idx="1">
+            <a:schemeClr val="accent1"/>
+          </a:fillRef>
+          <a:effectRef idx="0">
+            <a:schemeClr val="accent1"/>
+          </a:effectRef>
+          <a:fontRef idx="minor">
+            <a:schemeClr val="lt1"/>
+          </a:fontRef>
+        </p:style>
+        <p:txBody>
+          <a:bodyPr rtlCol="0" anchor="ctr"/>
+          <a:lstStyle/>
+          <a:p>
+            <a:pPr algn="ctr"/>
+            <a:endParaRPr lang="en-US"/>
+          </a:p>
+        </p:txBody>
+      </p:sp>
+      <p:sp>
+        <p:nvSpPr>
           <p:cNvPr id="13" name="Content Placeholder 2">
             <a:extLst>
               <a:ext uri="{FF2B5EF4-FFF2-40B4-BE49-F238E27FC236}">
@@ -8243,8 +8464,8 @@
         </p:nvSpPr>
         <p:spPr>
           <a:xfrm>
-            <a:off x="6055668" y="1158742"/>
-            <a:ext cx="6096000" cy="4092764"/>
+            <a:off x="6531899" y="1371599"/>
+            <a:ext cx="5338495" cy="3901610"/>
           </a:xfrm>
           <a:prstGeom prst="rect">
             <a:avLst/>
@@ -8509,9 +8730,9 @@
           <a:p>
             <a:pPr marL="0" indent="0" algn="l"/>
             <a:r>
-              <a:rPr lang="de-DE" sz="2400" b="1" dirty="0">
-                <a:solidFill>
-                  <a:schemeClr val="bg1"/>
+              <a:rPr lang="de-DE" sz="2200" b="1" dirty="0">
+                <a:solidFill>
+                  <a:srgbClr val="015A7E"/>
                 </a:solidFill>
               </a:rPr>
               <a:t>Option 2: Peanut Butter Cup</a:t>
@@ -8520,9 +8741,9 @@
           <a:p>
             <a:pPr marL="0" indent="0" algn="l"/>
             <a:r>
-              <a:rPr lang="de-DE" sz="2400" dirty="0">
-                <a:solidFill>
-                  <a:schemeClr val="bg1"/>
+              <a:rPr lang="de-DE" sz="2200" dirty="0">
+                <a:solidFill>
+                  <a:srgbClr val="015A7E"/>
                 </a:solidFill>
               </a:rPr>
               <a:t>Pro:</a:t>
@@ -8534,12 +8755,9 @@
               <a:buChar char="•"/>
             </a:pPr>
             <a:r>
-              <a:rPr lang="de-DE" sz="2400" dirty="0">
-                <a:solidFill>
-                  <a:schemeClr val="accent4">
-                    <a:lumMod val="40000"/>
-                    <a:lumOff val="60000"/>
-                  </a:schemeClr>
+              <a:rPr lang="de-DE" sz="2200" dirty="0">
+                <a:solidFill>
+                  <a:srgbClr val="015A7E"/>
                 </a:solidFill>
               </a:rPr>
               <a:t>Das beliebteste Produkt. (84%)</a:t>
@@ -8551,12 +8769,9 @@
               <a:buChar char="•"/>
             </a:pPr>
             <a:r>
-              <a:rPr lang="de-DE" sz="2400" dirty="0">
-                <a:solidFill>
-                  <a:schemeClr val="accent4">
-                    <a:lumMod val="40000"/>
-                    <a:lumOff val="60000"/>
-                  </a:schemeClr>
+              <a:rPr lang="de-DE" sz="2200" dirty="0">
+                <a:solidFill>
+                  <a:srgbClr val="015A7E"/>
                 </a:solidFill>
               </a:rPr>
               <a:t>Erdnuss + Schoko ist eine robuste und beliebte Grundlage.</a:t>
@@ -8565,9 +8780,9 @@
           <a:p>
             <a:pPr marL="0" indent="0" algn="l"/>
             <a:r>
-              <a:rPr lang="de-DE" sz="2400" dirty="0">
-                <a:solidFill>
-                  <a:schemeClr val="bg1"/>
+              <a:rPr lang="de-DE" sz="2200" dirty="0">
+                <a:solidFill>
+                  <a:srgbClr val="015A7E"/>
                 </a:solidFill>
               </a:rPr>
               <a:t>Contra:</a:t>
@@ -8579,12 +8794,9 @@
               <a:buChar char="•"/>
             </a:pPr>
             <a:r>
-              <a:rPr lang="de-DE" sz="2400" dirty="0">
-                <a:solidFill>
-                  <a:schemeClr val="accent4">
-                    <a:lumMod val="40000"/>
-                    <a:lumOff val="60000"/>
-                  </a:schemeClr>
+              <a:rPr lang="de-DE" sz="2200" dirty="0">
+                <a:solidFill>
+                  <a:srgbClr val="015A7E"/>
                 </a:solidFill>
               </a:rPr>
               <a:t>Wegen Reeses Bekanntheit brauchen wir staerkere Abgrenzung</a:t>
@@ -8604,7 +8816,7 @@
         </p:nvSpPr>
         <p:spPr>
           <a:xfrm>
-            <a:off x="0" y="8965"/>
+            <a:off x="-38105" y="-150494"/>
             <a:ext cx="12245788" cy="1101985"/>
           </a:xfrm>
           <a:prstGeom prst="rect">
@@ -8627,9 +8839,6 @@
               <a:t>Empfehlenswerte Eigenschaften der neuen Süßigkeiten von Sondey</a:t>
             </a:r>
             <a:br>
-              <a:rPr lang="de-DE" sz="2800" dirty="0"/>
-            </a:br>
-            <a:br>
               <a:rPr lang="de-DE" sz="2400" b="0" dirty="0">
                 <a:solidFill>
                   <a:schemeClr val="accent4">
@@ -8642,52 +8851,19 @@
             <a:r>
               <a:rPr lang="de-DE" sz="2400" b="0" dirty="0">
                 <a:solidFill>
-                  <a:schemeClr val="accent4">
-                    <a:lumMod val="40000"/>
-                    <a:lumOff val="60000"/>
-                  </a:schemeClr>
+                  <a:srgbClr val="FFF200"/>
                 </a:solidFill>
               </a:rPr>
               <a:t>Empfehlung für Zutaten</a:t>
             </a:r>
             <a:endParaRPr sz="2400" b="0" dirty="0">
               <a:solidFill>
-                <a:schemeClr val="accent4">
-                  <a:lumMod val="40000"/>
-                  <a:lumOff val="60000"/>
-                </a:schemeClr>
+                <a:srgbClr val="FFF200"/>
               </a:solidFill>
             </a:endParaRPr>
           </a:p>
         </p:txBody>
       </p:sp>
-      <p:pic>
-        <p:nvPicPr>
-          <p:cNvPr id="77" name="Google Shape;77;p11"/>
-          <p:cNvPicPr preferRelativeResize="0"/>
-          <p:nvPr/>
-        </p:nvPicPr>
-        <p:blipFill rotWithShape="1">
-          <a:blip r:embed="rId3">
-            <a:alphaModFix/>
-          </a:blip>
-          <a:srcRect/>
-          <a:stretch/>
-        </p:blipFill>
-        <p:spPr>
-          <a:xfrm>
-            <a:off x="11577564" y="1257354"/>
-            <a:ext cx="574103" cy="508693"/>
-          </a:xfrm>
-          <a:prstGeom prst="rect">
-            <a:avLst/>
-          </a:prstGeom>
-          <a:noFill/>
-          <a:ln>
-            <a:noFill/>
-          </a:ln>
-        </p:spPr>
-      </p:pic>
       <p:sp>
         <p:nvSpPr>
           <p:cNvPr id="8" name="Content Placeholder 2">
@@ -8704,8 +8880,8 @@
         </p:nvSpPr>
         <p:spPr>
           <a:xfrm>
-            <a:off x="-2" y="1158742"/>
-            <a:ext cx="5983949" cy="4092764"/>
+            <a:off x="443748" y="1371597"/>
+            <a:ext cx="5414683" cy="3485459"/>
           </a:xfrm>
           <a:prstGeom prst="rect">
             <a:avLst/>
@@ -8717,7 +8893,7 @@
         </p:spPr>
         <p:txBody>
           <a:bodyPr spcFirstLastPara="1" wrap="square" lIns="91425" tIns="45700" rIns="91425" bIns="45700" anchor="t" anchorCtr="0">
-            <a:normAutofit fontScale="92500"/>
+            <a:normAutofit fontScale="85000" lnSpcReduction="10000"/>
           </a:bodyPr>
           <a:lstStyle>
             <a:defPPr marR="0" lvl="0" algn="l" rtl="0">
@@ -8971,7 +9147,7 @@
             <a:r>
               <a:rPr lang="de-DE" sz="2600" b="1" dirty="0">
                 <a:solidFill>
-                  <a:schemeClr val="bg1"/>
+                  <a:srgbClr val="015A7E"/>
                 </a:solidFill>
               </a:rPr>
               <a:t>Option 1: Schoko +Karamell +Waffel</a:t>
@@ -8982,7 +9158,7 @@
             <a:r>
               <a:rPr lang="de-DE" sz="2600" dirty="0">
                 <a:solidFill>
-                  <a:schemeClr val="bg1"/>
+                  <a:srgbClr val="015A7E"/>
                 </a:solidFill>
               </a:rPr>
               <a:t>Pro:</a:t>
@@ -8996,10 +9172,7 @@
             <a:r>
               <a:rPr lang="de-DE" sz="2600" dirty="0">
                 <a:solidFill>
-                  <a:schemeClr val="accent4">
-                    <a:lumMod val="40000"/>
-                    <a:lumOff val="60000"/>
-                  </a:schemeClr>
+                  <a:srgbClr val="015A7E"/>
                 </a:solidFill>
               </a:rPr>
               <a:t>Die beliebteste Kombination (74%)</a:t>
@@ -9013,10 +9186,7 @@
             <a:r>
               <a:rPr lang="de-DE" sz="2600" dirty="0">
                 <a:solidFill>
-                  <a:schemeClr val="accent4">
-                    <a:lumMod val="40000"/>
-                    <a:lumOff val="60000"/>
-                  </a:schemeClr>
+                  <a:srgbClr val="015A7E"/>
                 </a:solidFill>
               </a:rPr>
               <a:t>Nur zwei ähnliche Konkurrenzprodukte verfügbar.</a:t>
@@ -9027,7 +9197,7 @@
             <a:r>
               <a:rPr lang="de-DE" sz="2600" dirty="0">
                 <a:solidFill>
-                  <a:schemeClr val="bg1"/>
+                  <a:srgbClr val="015A7E"/>
                 </a:solidFill>
               </a:rPr>
               <a:t>Contra:</a:t>
@@ -9041,10 +9211,7 @@
             <a:r>
               <a:rPr lang="de-DE" sz="2600" dirty="0">
                 <a:solidFill>
-                  <a:schemeClr val="accent4">
-                    <a:lumMod val="40000"/>
-                    <a:lumOff val="60000"/>
-                  </a:schemeClr>
+                  <a:srgbClr val="015A7E"/>
                 </a:solidFill>
               </a:rPr>
               <a:t>Ähnliche Produkte hat Sondey schon.</a:t>
@@ -9058,10 +9225,7 @@
             <a:r>
               <a:rPr lang="de-DE" sz="2600" dirty="0">
                 <a:solidFill>
-                  <a:schemeClr val="accent4">
-                    <a:lumMod val="40000"/>
-                    <a:lumOff val="60000"/>
-                  </a:schemeClr>
+                  <a:srgbClr val="015A7E"/>
                 </a:solidFill>
               </a:rPr>
               <a:t>Die Stichproben sind zu klein, das Ergebnis ist nicht robust.</a:t>
@@ -9083,7 +9247,7 @@
         </p:nvSpPr>
         <p:spPr>
           <a:xfrm>
-            <a:off x="0" y="5274364"/>
+            <a:off x="162480" y="5099176"/>
             <a:ext cx="6096000" cy="1569660"/>
           </a:xfrm>
           <a:prstGeom prst="rect">
@@ -9091,9 +9255,7 @@
           </a:prstGeom>
           <a:noFill/>
           <a:ln>
-            <a:solidFill>
-              <a:schemeClr val="bg1"/>
-            </a:solidFill>
+            <a:noFill/>
             <a:prstDash val="dashDot"/>
           </a:ln>
         </p:spPr>
@@ -9107,7 +9269,7 @@
             <a:r>
               <a:rPr lang="de-DE" sz="1600" b="1" dirty="0">
                 <a:solidFill>
-                  <a:schemeClr val="bg1"/>
+                  <a:srgbClr val="015A7E"/>
                 </a:solidFill>
                 <a:latin typeface="Roboto" panose="020B0604020202020204" charset="0"/>
                 <a:ea typeface="Roboto" panose="020B0604020202020204" charset="0"/>
@@ -9119,10 +9281,7 @@
             <a:r>
               <a:rPr lang="de-DE" sz="1600" b="1" dirty="0">
                 <a:solidFill>
-                  <a:schemeClr val="accent4">
-                    <a:lumMod val="40000"/>
-                    <a:lumOff val="60000"/>
-                  </a:schemeClr>
+                  <a:srgbClr val="015A7E"/>
                 </a:solidFill>
                 <a:latin typeface="Roboto" panose="020B0604020202020204" charset="0"/>
                 <a:ea typeface="Roboto" panose="020B0604020202020204" charset="0"/>
@@ -9132,10 +9291,7 @@
             <a:r>
               <a:rPr lang="de-DE" sz="1600" dirty="0">
                 <a:solidFill>
-                  <a:schemeClr val="accent4">
-                    <a:lumMod val="40000"/>
-                    <a:lumOff val="60000"/>
-                  </a:schemeClr>
+                  <a:srgbClr val="015A7E"/>
                 </a:solidFill>
                 <a:latin typeface="Roboto" panose="020B0604020202020204" charset="0"/>
                 <a:ea typeface="Roboto" panose="020B0604020202020204" charset="0"/>
@@ -9147,10 +9303,7 @@
             <a:r>
               <a:rPr lang="de-DE" sz="1600" b="1" dirty="0">
                 <a:solidFill>
-                  <a:schemeClr val="accent4">
-                    <a:lumMod val="40000"/>
-                    <a:lumOff val="60000"/>
-                  </a:schemeClr>
+                  <a:srgbClr val="015A7E"/>
                 </a:solidFill>
                 <a:latin typeface="Roboto" panose="020B0604020202020204" charset="0"/>
                 <a:ea typeface="Roboto" panose="020B0604020202020204" charset="0"/>
@@ -9160,10 +9313,7 @@
             <a:r>
               <a:rPr lang="de-DE" sz="1600" dirty="0">
                 <a:solidFill>
-                  <a:schemeClr val="accent4">
-                    <a:lumMod val="40000"/>
-                    <a:lumOff val="60000"/>
-                  </a:schemeClr>
+                  <a:srgbClr val="015A7E"/>
                 </a:solidFill>
                 <a:latin typeface="Roboto" panose="020B0604020202020204" charset="0"/>
                 <a:ea typeface="Roboto" panose="020B0604020202020204" charset="0"/>
@@ -9175,10 +9325,7 @@
             <a:r>
               <a:rPr lang="de-DE" sz="1600" b="1" dirty="0">
                 <a:solidFill>
-                  <a:schemeClr val="accent4">
-                    <a:lumMod val="40000"/>
-                    <a:lumOff val="60000"/>
-                  </a:schemeClr>
+                  <a:srgbClr val="015A7E"/>
                 </a:solidFill>
                 <a:latin typeface="Roboto" panose="020B0604020202020204" charset="0"/>
                 <a:ea typeface="Roboto" panose="020B0604020202020204" charset="0"/>
@@ -9188,10 +9335,7 @@
             <a:r>
               <a:rPr lang="en-US" sz="1600" dirty="0" err="1">
                 <a:solidFill>
-                  <a:schemeClr val="accent4">
-                    <a:lumMod val="40000"/>
-                    <a:lumOff val="60000"/>
-                  </a:schemeClr>
+                  <a:srgbClr val="015A7E"/>
                 </a:solidFill>
                 <a:latin typeface="Roboto" panose="020B0604020202020204" charset="0"/>
                 <a:ea typeface="Roboto" panose="020B0604020202020204" charset="0"/>
@@ -9201,10 +9345,7 @@
             <a:r>
               <a:rPr lang="en-US" sz="1600" dirty="0">
                 <a:solidFill>
-                  <a:schemeClr val="accent4">
-                    <a:lumMod val="40000"/>
-                    <a:lumOff val="60000"/>
-                  </a:schemeClr>
+                  <a:srgbClr val="015A7E"/>
                 </a:solidFill>
                 <a:latin typeface="Roboto" panose="020B0604020202020204" charset="0"/>
                 <a:ea typeface="Roboto" panose="020B0604020202020204" charset="0"/>
@@ -9214,10 +9355,7 @@
             <a:r>
               <a:rPr lang="en-US" sz="1600" dirty="0" err="1">
                 <a:solidFill>
-                  <a:schemeClr val="accent4">
-                    <a:lumMod val="40000"/>
-                    <a:lumOff val="60000"/>
-                  </a:schemeClr>
+                  <a:srgbClr val="015A7E"/>
                 </a:solidFill>
                 <a:latin typeface="Roboto" panose="020B0604020202020204" charset="0"/>
                 <a:ea typeface="Roboto" panose="020B0604020202020204" charset="0"/>
@@ -9227,10 +9365,7 @@
             <a:r>
               <a:rPr lang="en-US" sz="1600" dirty="0">
                 <a:solidFill>
-                  <a:schemeClr val="accent4">
-                    <a:lumMod val="40000"/>
-                    <a:lumOff val="60000"/>
-                  </a:schemeClr>
+                  <a:srgbClr val="015A7E"/>
                 </a:solidFill>
                 <a:latin typeface="Roboto" panose="020B0604020202020204" charset="0"/>
                 <a:ea typeface="Roboto" panose="020B0604020202020204" charset="0"/>
@@ -9240,10 +9375,7 @@
             <a:r>
               <a:rPr lang="en-US" sz="1600" dirty="0" err="1">
                 <a:solidFill>
-                  <a:schemeClr val="accent4">
-                    <a:lumMod val="40000"/>
-                    <a:lumOff val="60000"/>
-                  </a:schemeClr>
+                  <a:srgbClr val="015A7E"/>
                 </a:solidFill>
                 <a:latin typeface="Roboto" panose="020B0604020202020204" charset="0"/>
                 <a:ea typeface="Roboto" panose="020B0604020202020204" charset="0"/>
@@ -9253,10 +9385,7 @@
             <a:r>
               <a:rPr lang="en-US" sz="1600" dirty="0">
                 <a:solidFill>
-                  <a:schemeClr val="accent4">
-                    <a:lumMod val="40000"/>
-                    <a:lumOff val="60000"/>
-                  </a:schemeClr>
+                  <a:srgbClr val="015A7E"/>
                 </a:solidFill>
                 <a:latin typeface="Roboto" panose="020B0604020202020204" charset="0"/>
                 <a:ea typeface="Roboto" panose="020B0604020202020204" charset="0"/>
@@ -9266,10 +9395,7 @@
             <a:r>
               <a:rPr lang="en-US" sz="1600" dirty="0" err="1">
                 <a:solidFill>
-                  <a:schemeClr val="accent4">
-                    <a:lumMod val="40000"/>
-                    <a:lumOff val="60000"/>
-                  </a:schemeClr>
+                  <a:srgbClr val="015A7E"/>
                 </a:solidFill>
                 <a:latin typeface="Roboto" panose="020B0604020202020204" charset="0"/>
                 <a:ea typeface="Roboto" panose="020B0604020202020204" charset="0"/>
@@ -9278,10 +9404,7 @@
             </a:r>
             <a:endParaRPr lang="de-DE" sz="1600" dirty="0">
               <a:solidFill>
-                <a:schemeClr val="accent4">
-                  <a:lumMod val="40000"/>
-                  <a:lumOff val="60000"/>
-                </a:schemeClr>
+                <a:srgbClr val="015A7E"/>
               </a:solidFill>
               <a:latin typeface="Roboto" panose="020B0604020202020204" charset="0"/>
               <a:ea typeface="Roboto" panose="020B0604020202020204" charset="0"/>
@@ -9291,10 +9414,7 @@
             <a:r>
               <a:rPr lang="de-DE" sz="1600" b="1" dirty="0">
                 <a:solidFill>
-                  <a:schemeClr val="accent4">
-                    <a:lumMod val="40000"/>
-                    <a:lumOff val="60000"/>
-                  </a:schemeClr>
+                  <a:srgbClr val="015A7E"/>
                 </a:solidFill>
                 <a:latin typeface="Roboto" panose="020B0604020202020204" charset="0"/>
                 <a:ea typeface="Roboto" panose="020B0604020202020204" charset="0"/>
@@ -9304,10 +9424,7 @@
             <a:r>
               <a:rPr lang="de-DE" sz="1600" dirty="0">
                 <a:solidFill>
-                  <a:schemeClr val="accent4">
-                    <a:lumMod val="40000"/>
-                    <a:lumOff val="60000"/>
-                  </a:schemeClr>
+                  <a:srgbClr val="015A7E"/>
                 </a:solidFill>
                 <a:latin typeface="Roboto" panose="020B0604020202020204" charset="0"/>
                 <a:ea typeface="Roboto" panose="020B0604020202020204" charset="0"/>
@@ -9317,10 +9434,7 @@
             <a:r>
               <a:rPr lang="en-US" sz="1600" dirty="0" err="1">
                 <a:solidFill>
-                  <a:schemeClr val="accent4">
-                    <a:lumMod val="40000"/>
-                    <a:lumOff val="60000"/>
-                  </a:schemeClr>
+                  <a:srgbClr val="015A7E"/>
                 </a:solidFill>
                 <a:latin typeface="Roboto" panose="020B0604020202020204" charset="0"/>
                 <a:ea typeface="Roboto" panose="020B0604020202020204" charset="0"/>
@@ -9330,10 +9444,7 @@
             <a:r>
               <a:rPr lang="en-US" sz="1600" dirty="0">
                 <a:solidFill>
-                  <a:schemeClr val="accent4">
-                    <a:lumMod val="40000"/>
-                    <a:lumOff val="60000"/>
-                  </a:schemeClr>
+                  <a:srgbClr val="015A7E"/>
                 </a:solidFill>
                 <a:latin typeface="Roboto" panose="020B0604020202020204" charset="0"/>
                 <a:ea typeface="Roboto" panose="020B0604020202020204" charset="0"/>
@@ -9343,10 +9454,7 @@
             <a:r>
               <a:rPr lang="en-US" sz="1600" dirty="0" err="1">
                 <a:solidFill>
-                  <a:schemeClr val="accent4">
-                    <a:lumMod val="40000"/>
-                    <a:lumOff val="60000"/>
-                  </a:schemeClr>
+                  <a:srgbClr val="015A7E"/>
                 </a:solidFill>
                 <a:latin typeface="Roboto" panose="020B0604020202020204" charset="0"/>
                 <a:ea typeface="Roboto" panose="020B0604020202020204" charset="0"/>
@@ -9356,10 +9464,7 @@
             <a:r>
               <a:rPr lang="en-US" sz="1600" dirty="0">
                 <a:solidFill>
-                  <a:schemeClr val="accent4">
-                    <a:lumMod val="40000"/>
-                    <a:lumOff val="60000"/>
-                  </a:schemeClr>
+                  <a:srgbClr val="015A7E"/>
                 </a:solidFill>
                 <a:latin typeface="Roboto" panose="020B0604020202020204" charset="0"/>
                 <a:ea typeface="Roboto" panose="020B0604020202020204" charset="0"/>
@@ -9369,10 +9474,7 @@
             <a:r>
               <a:rPr lang="en-US" sz="1600" dirty="0" err="1">
                 <a:solidFill>
-                  <a:schemeClr val="accent4">
-                    <a:lumMod val="40000"/>
-                    <a:lumOff val="60000"/>
-                  </a:schemeClr>
+                  <a:srgbClr val="015A7E"/>
                 </a:solidFill>
                 <a:latin typeface="Roboto" panose="020B0604020202020204" charset="0"/>
                 <a:ea typeface="Roboto" panose="020B0604020202020204" charset="0"/>
@@ -9382,10 +9484,7 @@
             <a:r>
               <a:rPr lang="en-US" sz="1600" dirty="0">
                 <a:solidFill>
-                  <a:schemeClr val="accent4">
-                    <a:lumMod val="40000"/>
-                    <a:lumOff val="60000"/>
-                  </a:schemeClr>
+                  <a:srgbClr val="015A7E"/>
                 </a:solidFill>
                 <a:latin typeface="Roboto" panose="020B0604020202020204" charset="0"/>
                 <a:ea typeface="Roboto" panose="020B0604020202020204" charset="0"/>
@@ -9395,10 +9494,7 @@
             <a:r>
               <a:rPr lang="en-US" sz="1600" dirty="0" err="1">
                 <a:solidFill>
-                  <a:schemeClr val="accent4">
-                    <a:lumMod val="40000"/>
-                    <a:lumOff val="60000"/>
-                  </a:schemeClr>
+                  <a:srgbClr val="015A7E"/>
                 </a:solidFill>
                 <a:latin typeface="Roboto" panose="020B0604020202020204" charset="0"/>
                 <a:ea typeface="Roboto" panose="020B0604020202020204" charset="0"/>
@@ -9407,10 +9503,7 @@
             </a:r>
             <a:endParaRPr lang="en-US" sz="1600" dirty="0">
               <a:solidFill>
-                <a:schemeClr val="accent4">
-                  <a:lumMod val="40000"/>
-                  <a:lumOff val="60000"/>
-                </a:schemeClr>
+                <a:srgbClr val="015A7E"/>
               </a:solidFill>
               <a:latin typeface="Roboto" panose="020B0604020202020204" charset="0"/>
               <a:ea typeface="Roboto" panose="020B0604020202020204" charset="0"/>
@@ -9432,17 +9525,15 @@
         </p:nvSpPr>
         <p:spPr>
           <a:xfrm>
-            <a:off x="6096000" y="5275521"/>
-            <a:ext cx="6096000" cy="1569660"/>
+            <a:off x="6282011" y="5100826"/>
+            <a:ext cx="5972731" cy="1569660"/>
           </a:xfrm>
           <a:prstGeom prst="rect">
             <a:avLst/>
           </a:prstGeom>
           <a:noFill/>
           <a:ln>
-            <a:solidFill>
-              <a:schemeClr val="bg1"/>
-            </a:solidFill>
+            <a:noFill/>
             <a:prstDash val="dashDot"/>
           </a:ln>
         </p:spPr>
@@ -9456,7 +9547,7 @@
             <a:r>
               <a:rPr lang="de-DE" sz="1600" b="1" dirty="0">
                 <a:solidFill>
-                  <a:schemeClr val="bg1"/>
+                  <a:srgbClr val="015A7E"/>
                 </a:solidFill>
                 <a:latin typeface="Roboto" panose="020B0604020202020204" charset="0"/>
                 <a:ea typeface="Roboto" panose="020B0604020202020204" charset="0"/>
@@ -9468,10 +9559,7 @@
             <a:r>
               <a:rPr lang="de-DE" sz="1600" dirty="0">
                 <a:solidFill>
-                  <a:schemeClr val="accent4">
-                    <a:lumMod val="40000"/>
-                    <a:lumOff val="60000"/>
-                  </a:schemeClr>
+                  <a:srgbClr val="015A7E"/>
                 </a:solidFill>
                 <a:latin typeface="Roboto" panose="020B0604020202020204" charset="0"/>
                 <a:ea typeface="Roboto" panose="020B0604020202020204" charset="0"/>
@@ -9481,35 +9569,29 @@
             <a:r>
               <a:rPr lang="de-DE" sz="1600" b="1" dirty="0">
                 <a:solidFill>
-                  <a:schemeClr val="bg1"/>
+                  <a:srgbClr val="015A7E"/>
                 </a:solidFill>
                 <a:latin typeface="Roboto" panose="020B0604020202020204" charset="0"/>
                 <a:ea typeface="Roboto" panose="020B0604020202020204" charset="0"/>
               </a:rPr>
-              <a:t>Lidl Strategie</a:t>
+              <a:t>Lidl Strategie: </a:t>
             </a:r>
             <a:r>
               <a:rPr lang="de-DE" sz="1600" dirty="0">
                 <a:solidFill>
-                  <a:schemeClr val="accent4">
-                    <a:lumMod val="40000"/>
-                    <a:lumOff val="60000"/>
-                  </a:schemeClr>
+                  <a:srgbClr val="015A7E"/>
                 </a:solidFill>
                 <a:latin typeface="Roboto" panose="020B0604020202020204" charset="0"/>
                 <a:ea typeface="Roboto" panose="020B0604020202020204" charset="0"/>
               </a:rPr>
-              <a:t>→ Auf preisbewusste Kunden zielen (z. B. Choviva, )</a:t>
+              <a:t>Auf preisbewusste Kunden zielen (z. B. Choviva)</a:t>
             </a:r>
           </a:p>
           <a:p>
             <a:r>
               <a:rPr lang="de-DE" sz="1600" dirty="0">
                 <a:solidFill>
-                  <a:schemeClr val="accent4">
-                    <a:lumMod val="40000"/>
-                    <a:lumOff val="60000"/>
-                  </a:schemeClr>
+                  <a:srgbClr val="015A7E"/>
                 </a:solidFill>
                 <a:latin typeface="Roboto" panose="020B0604020202020204" charset="0"/>
                 <a:ea typeface="Roboto" panose="020B0604020202020204" charset="0"/>
@@ -9521,33 +9603,27 @@
             <a:r>
               <a:rPr lang="de-DE" sz="1600" b="1" dirty="0">
                 <a:solidFill>
-                  <a:schemeClr val="bg1"/>
+                  <a:srgbClr val="015A7E"/>
                 </a:solidFill>
                 <a:latin typeface="Roboto" panose="020B0604020202020204" charset="0"/>
                 <a:ea typeface="Roboto" panose="020B0604020202020204" charset="0"/>
               </a:rPr>
-              <a:t>Lidl Strategie</a:t>
+              <a:t>Lidl Strategie: </a:t>
             </a:r>
             <a:r>
               <a:rPr lang="de-DE" sz="1600" dirty="0">
                 <a:solidFill>
-                  <a:schemeClr val="accent4">
-                    <a:lumMod val="40000"/>
-                    <a:lumOff val="60000"/>
-                  </a:schemeClr>
+                  <a:srgbClr val="015A7E"/>
                 </a:solidFill>
                 <a:latin typeface="Roboto" panose="020B0604020202020204" charset="0"/>
                 <a:ea typeface="Roboto" panose="020B0604020202020204" charset="0"/>
               </a:rPr>
-              <a:t>→ Zuckerarme/ </a:t>
+              <a:t>Zuckerarme/ </a:t>
             </a:r>
             <a:r>
               <a:rPr lang="en-US" sz="1600" dirty="0">
                 <a:solidFill>
-                  <a:schemeClr val="accent4">
-                    <a:lumMod val="40000"/>
-                    <a:lumOff val="60000"/>
-                  </a:schemeClr>
+                  <a:srgbClr val="015A7E"/>
                 </a:solidFill>
                 <a:latin typeface="Roboto" panose="020B0604020202020204" charset="0"/>
                 <a:ea typeface="Roboto" panose="020B0604020202020204" charset="0"/>
@@ -9557,10 +9633,7 @@
             <a:r>
               <a:rPr lang="en-US" sz="1600" dirty="0" err="1">
                 <a:solidFill>
-                  <a:schemeClr val="accent4">
-                    <a:lumMod val="40000"/>
-                    <a:lumOff val="60000"/>
-                  </a:schemeClr>
+                  <a:srgbClr val="015A7E"/>
                 </a:solidFill>
                 <a:latin typeface="Roboto" panose="020B0604020202020204" charset="0"/>
                 <a:ea typeface="Roboto" panose="020B0604020202020204" charset="0"/>
@@ -9570,10 +9643,7 @@
             <a:r>
               <a:rPr lang="en-US" sz="1600" dirty="0">
                 <a:solidFill>
-                  <a:schemeClr val="accent4">
-                    <a:lumMod val="40000"/>
-                    <a:lumOff val="60000"/>
-                  </a:schemeClr>
+                  <a:srgbClr val="015A7E"/>
                 </a:solidFill>
                 <a:latin typeface="Roboto" panose="020B0604020202020204" charset="0"/>
                 <a:ea typeface="Roboto" panose="020B0604020202020204" charset="0"/>
@@ -9583,10 +9653,7 @@
             <a:r>
               <a:rPr lang="en-US" sz="1600" dirty="0" err="1">
                 <a:solidFill>
-                  <a:schemeClr val="accent4">
-                    <a:lumMod val="40000"/>
-                    <a:lumOff val="60000"/>
-                  </a:schemeClr>
+                  <a:srgbClr val="015A7E"/>
                 </a:solidFill>
                 <a:latin typeface="Roboto" panose="020B0604020202020204" charset="0"/>
                 <a:ea typeface="Roboto" panose="020B0604020202020204" charset="0"/>
@@ -9596,10 +9663,7 @@
             <a:r>
               <a:rPr lang="en-US" sz="1600" dirty="0">
                 <a:solidFill>
-                  <a:schemeClr val="accent4">
-                    <a:lumMod val="40000"/>
-                    <a:lumOff val="60000"/>
-                  </a:schemeClr>
+                  <a:srgbClr val="015A7E"/>
                 </a:solidFill>
                 <a:latin typeface="Roboto" panose="020B0604020202020204" charset="0"/>
                 <a:ea typeface="Roboto" panose="020B0604020202020204" charset="0"/>
@@ -9609,10 +9673,7 @@
             <a:r>
               <a:rPr lang="en-US" sz="1600" dirty="0" err="1">
                 <a:solidFill>
-                  <a:schemeClr val="accent4">
-                    <a:lumMod val="40000"/>
-                    <a:lumOff val="60000"/>
-                  </a:schemeClr>
+                  <a:srgbClr val="015A7E"/>
                 </a:solidFill>
                 <a:latin typeface="Roboto" panose="020B0604020202020204" charset="0"/>
                 <a:ea typeface="Roboto" panose="020B0604020202020204" charset="0"/>
@@ -9622,10 +9683,7 @@
             <a:r>
               <a:rPr lang="en-US" sz="1600" dirty="0">
                 <a:solidFill>
-                  <a:schemeClr val="accent4">
-                    <a:lumMod val="40000"/>
-                    <a:lumOff val="60000"/>
-                  </a:schemeClr>
+                  <a:srgbClr val="015A7E"/>
                 </a:solidFill>
                 <a:latin typeface="Roboto" panose="020B0604020202020204" charset="0"/>
                 <a:ea typeface="Roboto" panose="020B0604020202020204" charset="0"/>
@@ -9635,10 +9693,7 @@
             <a:r>
               <a:rPr lang="en-US" sz="1600" dirty="0" err="1">
                 <a:solidFill>
-                  <a:schemeClr val="accent4">
-                    <a:lumMod val="40000"/>
-                    <a:lumOff val="60000"/>
-                  </a:schemeClr>
+                  <a:srgbClr val="015A7E"/>
                 </a:solidFill>
                 <a:latin typeface="Roboto" panose="020B0604020202020204" charset="0"/>
                 <a:ea typeface="Roboto" panose="020B0604020202020204" charset="0"/>
@@ -9648,10 +9703,7 @@
             <a:r>
               <a:rPr lang="en-US" sz="1600" dirty="0">
                 <a:solidFill>
-                  <a:schemeClr val="accent4">
-                    <a:lumMod val="40000"/>
-                    <a:lumOff val="60000"/>
-                  </a:schemeClr>
+                  <a:srgbClr val="015A7E"/>
                 </a:solidFill>
                 <a:latin typeface="Roboto" panose="020B0604020202020204" charset="0"/>
                 <a:ea typeface="Roboto" panose="020B0604020202020204" charset="0"/>
@@ -9661,10 +9713,7 @@
             <a:r>
               <a:rPr lang="en-US" sz="1600" dirty="0" err="1">
                 <a:solidFill>
-                  <a:schemeClr val="accent4">
-                    <a:lumMod val="40000"/>
-                    <a:lumOff val="60000"/>
-                  </a:schemeClr>
+                  <a:srgbClr val="015A7E"/>
                 </a:solidFill>
                 <a:latin typeface="Roboto" panose="020B0604020202020204" charset="0"/>
                 <a:ea typeface="Roboto" panose="020B0604020202020204" charset="0"/>
@@ -9674,19 +9723,88 @@
             <a:r>
               <a:rPr lang="de-DE" sz="1600" dirty="0">
                 <a:solidFill>
-                  <a:schemeClr val="accent4">
-                    <a:lumMod val="40000"/>
-                    <a:lumOff val="60000"/>
-                  </a:schemeClr>
+                  <a:srgbClr val="015A7E"/>
                 </a:solidFill>
                 <a:latin typeface="Roboto" panose="020B0604020202020204" charset="0"/>
                 <a:ea typeface="Roboto" panose="020B0604020202020204" charset="0"/>
               </a:rPr>
-              <a:t> a</a:t>
+              <a:t>.</a:t>
             </a:r>
           </a:p>
         </p:txBody>
       </p:sp>
+      <p:pic>
+        <p:nvPicPr>
+          <p:cNvPr id="5" name="Graphic 4" descr="Thumbs up sign">
+            <a:extLst>
+              <a:ext uri="{FF2B5EF4-FFF2-40B4-BE49-F238E27FC236}">
+                <a16:creationId xmlns:a16="http://schemas.microsoft.com/office/drawing/2014/main" id="{6CE536BD-A0F6-45FF-9EC5-EE827C9F3874}"/>
+              </a:ext>
+            </a:extLst>
+          </p:cNvPr>
+          <p:cNvPicPr>
+            <a:picLocks noChangeAspect="1"/>
+          </p:cNvPicPr>
+          <p:nvPr/>
+        </p:nvPicPr>
+        <p:blipFill>
+          <a:blip r:embed="rId3">
+            <a:extLst>
+              <a:ext uri="{96DAC541-7B7A-43D3-8B79-37D633B846F1}">
+                <asvg:svgBlip xmlns:asvg="http://schemas.microsoft.com/office/drawing/2016/SVG/main" r:embed="rId4"/>
+              </a:ext>
+            </a:extLst>
+          </a:blip>
+          <a:stretch>
+            <a:fillRect/>
+          </a:stretch>
+        </p:blipFill>
+        <p:spPr>
+          <a:xfrm>
+            <a:off x="10716389" y="1335426"/>
+            <a:ext cx="914400" cy="914400"/>
+          </a:xfrm>
+          <a:prstGeom prst="rect">
+            <a:avLst/>
+          </a:prstGeom>
+        </p:spPr>
+      </p:pic>
+      <p:pic>
+        <p:nvPicPr>
+          <p:cNvPr id="20" name="Graphic 19" descr="Thumbs up sign">
+            <a:extLst>
+              <a:ext uri="{FF2B5EF4-FFF2-40B4-BE49-F238E27FC236}">
+                <a16:creationId xmlns:a16="http://schemas.microsoft.com/office/drawing/2014/main" id="{18E05512-756B-4EDE-987F-CA62661AD63E}"/>
+              </a:ext>
+            </a:extLst>
+          </p:cNvPr>
+          <p:cNvPicPr>
+            <a:picLocks noChangeAspect="1"/>
+          </p:cNvPicPr>
+          <p:nvPr/>
+        </p:nvPicPr>
+        <p:blipFill>
+          <a:blip r:embed="rId3">
+            <a:extLst>
+              <a:ext uri="{96DAC541-7B7A-43D3-8B79-37D633B846F1}">
+                <asvg:svgBlip xmlns:asvg="http://schemas.microsoft.com/office/drawing/2016/SVG/main" r:embed="rId4"/>
+              </a:ext>
+            </a:extLst>
+          </a:blip>
+          <a:stretch>
+            <a:fillRect/>
+          </a:stretch>
+        </p:blipFill>
+        <p:spPr>
+          <a:xfrm>
+            <a:off x="6438894" y="5246501"/>
+            <a:ext cx="233073" cy="233073"/>
+          </a:xfrm>
+          <a:prstGeom prst="rect">
+            <a:avLst/>
+          </a:prstGeom>
+        </p:spPr>
+      </p:pic>
     </p:spTree>
   </p:cSld>
   <p:clrMapOvr>

--- a/neuen Süßigkeiten von Sondey management summary.pptx
+++ b/neuen Süßigkeiten von Sondey management summary.pptx
@@ -8836,7 +8836,7 @@
             <a:pPr lvl="0"/>
             <a:r>
               <a:rPr lang="de-DE" sz="2800" dirty="0"/>
-              <a:t>Empfehlenswerte Eigenschaften der neuen Süßigkeiten von Sondey</a:t>
+              <a:t>Empfehlenswerte Eigenschaften der neuen Süßigkeiten</a:t>
             </a:r>
             <a:br>
               <a:rPr lang="de-DE" sz="2400" b="0" dirty="0">
@@ -9214,7 +9214,23 @@
                   <a:srgbClr val="015A7E"/>
                 </a:solidFill>
               </a:rPr>
-              <a:t>Ähnliche Produkte hat Sondey schon.</a:t>
+              <a:t>Ähnliche </a:t>
+            </a:r>
+            <a:r>
+              <a:rPr lang="de-DE" sz="2600">
+                <a:solidFill>
+                  <a:srgbClr val="015A7E"/>
+                </a:solidFill>
+              </a:rPr>
+              <a:t>Produkte haben sie </a:t>
+            </a:r>
+            <a:r>
+              <a:rPr lang="de-DE" sz="2600" dirty="0">
+                <a:solidFill>
+                  <a:srgbClr val="015A7E"/>
+                </a:solidFill>
+              </a:rPr>
+              <a:t>schon.</a:t>
             </a:r>
           </a:p>
           <a:p>
@@ -9574,7 +9590,7 @@
                 <a:latin typeface="Roboto" panose="020B0604020202020204" charset="0"/>
                 <a:ea typeface="Roboto" panose="020B0604020202020204" charset="0"/>
               </a:rPr>
-              <a:t>Lidl Strategie: </a:t>
+              <a:t>Strategie: </a:t>
             </a:r>
             <a:r>
               <a:rPr lang="de-DE" sz="1600" dirty="0">
@@ -9608,7 +9624,7 @@
                 <a:latin typeface="Roboto" panose="020B0604020202020204" charset="0"/>
                 <a:ea typeface="Roboto" panose="020B0604020202020204" charset="0"/>
               </a:rPr>
-              <a:t>Lidl Strategie: </a:t>
+              <a:t>Strategie: </a:t>
             </a:r>
             <a:r>
               <a:rPr lang="de-DE" sz="1600" dirty="0">
